--- a/презентация_диплом_квасов_ПИ191(2).pptx
+++ b/презентация_диплом_квасов_ПИ191(2).pptx
@@ -14,12 +14,16 @@
     <p:sldId id="272" r:id="rId8"/>
     <p:sldId id="264" r:id="rId9"/>
     <p:sldId id="261" r:id="rId10"/>
-    <p:sldId id="260" r:id="rId11"/>
-    <p:sldId id="265" r:id="rId12"/>
-    <p:sldId id="268" r:id="rId13"/>
-    <p:sldId id="269" r:id="rId14"/>
-    <p:sldId id="270" r:id="rId15"/>
-    <p:sldId id="271" r:id="rId16"/>
+    <p:sldId id="275" r:id="rId11"/>
+    <p:sldId id="260" r:id="rId12"/>
+    <p:sldId id="274" r:id="rId13"/>
+    <p:sldId id="273" r:id="rId14"/>
+    <p:sldId id="265" r:id="rId15"/>
+    <p:sldId id="268" r:id="rId16"/>
+    <p:sldId id="269" r:id="rId17"/>
+    <p:sldId id="276" r:id="rId18"/>
+    <p:sldId id="270" r:id="rId19"/>
+    <p:sldId id="271" r:id="rId20"/>
   </p:sldIdLst>
   <p:sldSz cx="12192000" cy="6858000"/>
   <p:notesSz cx="6858000" cy="9144000"/>
@@ -118,6 +122,11 @@
       </a:defRPr>
     </a:lvl9pPr>
   </p:defaultTextStyle>
+  <p:extLst>
+    <p:ext uri="{EFAFB233-063F-42B5-8137-9DF3F51BA10A}">
+      <p15:sldGuideLst xmlns:p15="http://schemas.microsoft.com/office/powerpoint/2012/main"/>
+    </p:ext>
+  </p:extLst>
 </p:presentation>
 </file>
 
@@ -5986,7 +5995,7 @@
           <p:cNvPr id="2" name="Заголовок 1">
             <a:extLst>
               <a:ext uri="{FF2B5EF4-FFF2-40B4-BE49-F238E27FC236}">
-                <a16:creationId xmlns:a16="http://schemas.microsoft.com/office/drawing/2014/main" id="{3068D709-7AB6-4C92-A96B-F9F4A7731635}"/>
+                <a16:creationId xmlns:a16="http://schemas.microsoft.com/office/drawing/2014/main" id="{C93E65A4-96B2-467C-8307-8F1D054D27E8}"/>
               </a:ext>
             </a:extLst>
           </p:cNvPr>
@@ -6004,13 +6013,14 @@
           <a:p>
             <a:pPr algn="ctr"/>
             <a:r>
-              <a:rPr lang="en-US" dirty="0"/>
-              <a:t>LBPH </a:t>
-            </a:r>
-            <a:r>
-              <a:rPr lang="ru-RU" dirty="0"/>
-              <a:t>Алгоритм</a:t>
-            </a:r>
+              <a:rPr lang="ru-RU" dirty="0">
+                <a:solidFill>
+                  <a:schemeClr val="tx1"/>
+                </a:solidFill>
+              </a:rPr>
+              <a:t>Алгоритм Виола-Джонса</a:t>
+            </a:r>
+            <a:endParaRPr lang="ru-RU" dirty="0"/>
           </a:p>
         </p:txBody>
       </p:sp>
@@ -6019,7 +6029,7 @@
           <p:cNvPr id="3" name="Объект 2">
             <a:extLst>
               <a:ext uri="{FF2B5EF4-FFF2-40B4-BE49-F238E27FC236}">
-                <a16:creationId xmlns:a16="http://schemas.microsoft.com/office/drawing/2014/main" id="{D94BA315-7BCE-4E5E-8EBD-812E5837B0EA}"/>
+                <a16:creationId xmlns:a16="http://schemas.microsoft.com/office/drawing/2014/main" id="{8BB257FE-F5D3-4C54-9606-699EFFF7029A}"/>
               </a:ext>
             </a:extLst>
           </p:cNvPr>
@@ -6036,174 +6046,16 @@
           <a:lstStyle/>
           <a:p>
             <a:r>
-              <a:rPr lang="ru-RU" sz="1800" dirty="0">
-                <a:effectLst/>
-                <a:latin typeface="Times New Roman" panose="02020603050405020304" pitchFamily="18" charset="0"/>
-                <a:ea typeface="Calibri" panose="020F0502020204030204" pitchFamily="34" charset="0"/>
-                <a:cs typeface="Times New Roman" panose="02020603050405020304" pitchFamily="18" charset="0"/>
-              </a:rPr>
-              <a:t>Алгоритм </a:t>
-            </a:r>
-            <a:r>
-              <a:rPr lang="ru-RU" sz="1800" dirty="0" err="1">
-                <a:effectLst/>
-                <a:latin typeface="Times New Roman" panose="02020603050405020304" pitchFamily="18" charset="0"/>
-                <a:ea typeface="Calibri" panose="020F0502020204030204" pitchFamily="34" charset="0"/>
-                <a:cs typeface="Times New Roman" panose="02020603050405020304" pitchFamily="18" charset="0"/>
-              </a:rPr>
-              <a:t>Local</a:t>
-            </a:r>
-            <a:r>
-              <a:rPr lang="ru-RU" sz="1800" dirty="0">
-                <a:effectLst/>
-                <a:latin typeface="Times New Roman" panose="02020603050405020304" pitchFamily="18" charset="0"/>
-                <a:ea typeface="Calibri" panose="020F0502020204030204" pitchFamily="34" charset="0"/>
-                <a:cs typeface="Times New Roman" panose="02020603050405020304" pitchFamily="18" charset="0"/>
-              </a:rPr>
-              <a:t> </a:t>
-            </a:r>
-            <a:r>
-              <a:rPr lang="ru-RU" sz="1800" dirty="0" err="1">
-                <a:effectLst/>
-                <a:latin typeface="Times New Roman" panose="02020603050405020304" pitchFamily="18" charset="0"/>
-                <a:ea typeface="Calibri" panose="020F0502020204030204" pitchFamily="34" charset="0"/>
-                <a:cs typeface="Times New Roman" panose="02020603050405020304" pitchFamily="18" charset="0"/>
-              </a:rPr>
-              <a:t>Binary</a:t>
-            </a:r>
-            <a:r>
-              <a:rPr lang="ru-RU" sz="1800" dirty="0">
-                <a:effectLst/>
-                <a:latin typeface="Times New Roman" panose="02020603050405020304" pitchFamily="18" charset="0"/>
-                <a:ea typeface="Calibri" panose="020F0502020204030204" pitchFamily="34" charset="0"/>
-                <a:cs typeface="Times New Roman" panose="02020603050405020304" pitchFamily="18" charset="0"/>
-              </a:rPr>
-              <a:t> </a:t>
-            </a:r>
-            <a:r>
-              <a:rPr lang="ru-RU" sz="1800" dirty="0" err="1">
-                <a:effectLst/>
-                <a:latin typeface="Times New Roman" panose="02020603050405020304" pitchFamily="18" charset="0"/>
-                <a:ea typeface="Calibri" panose="020F0502020204030204" pitchFamily="34" charset="0"/>
-                <a:cs typeface="Times New Roman" panose="02020603050405020304" pitchFamily="18" charset="0"/>
-              </a:rPr>
-              <a:t>Patterns</a:t>
-            </a:r>
-            <a:r>
-              <a:rPr lang="ru-RU" sz="1800" dirty="0">
-                <a:effectLst/>
-                <a:latin typeface="Times New Roman" panose="02020603050405020304" pitchFamily="18" charset="0"/>
-                <a:ea typeface="Calibri" panose="020F0502020204030204" pitchFamily="34" charset="0"/>
-                <a:cs typeface="Times New Roman" panose="02020603050405020304" pitchFamily="18" charset="0"/>
-              </a:rPr>
-              <a:t> </a:t>
-            </a:r>
-            <a:r>
-              <a:rPr lang="ru-RU" sz="1800" dirty="0" err="1">
-                <a:effectLst/>
-                <a:latin typeface="Times New Roman" panose="02020603050405020304" pitchFamily="18" charset="0"/>
-                <a:ea typeface="Calibri" panose="020F0502020204030204" pitchFamily="34" charset="0"/>
-                <a:cs typeface="Times New Roman" panose="02020603050405020304" pitchFamily="18" charset="0"/>
-              </a:rPr>
-              <a:t>Histogram</a:t>
-            </a:r>
-            <a:r>
-              <a:rPr lang="ru-RU" sz="1800" dirty="0">
-                <a:effectLst/>
-                <a:latin typeface="Times New Roman" panose="02020603050405020304" pitchFamily="18" charset="0"/>
-                <a:ea typeface="Calibri" panose="020F0502020204030204" pitchFamily="34" charset="0"/>
-                <a:cs typeface="Times New Roman" panose="02020603050405020304" pitchFamily="18" charset="0"/>
-              </a:rPr>
-              <a:t> (LBPH) - это широко используемый метод распознавания лиц и анализа текстуры. Впервые он был представлен Тимо </a:t>
-            </a:r>
-            <a:r>
-              <a:rPr lang="ru-RU" sz="1800" dirty="0" err="1">
-                <a:effectLst/>
-                <a:latin typeface="Times New Roman" panose="02020603050405020304" pitchFamily="18" charset="0"/>
-                <a:ea typeface="Calibri" panose="020F0502020204030204" pitchFamily="34" charset="0"/>
-                <a:cs typeface="Times New Roman" panose="02020603050405020304" pitchFamily="18" charset="0"/>
-              </a:rPr>
-              <a:t>Ахоненом</a:t>
-            </a:r>
-            <a:r>
-              <a:rPr lang="ru-RU" sz="1800" dirty="0">
-                <a:effectLst/>
-                <a:latin typeface="Times New Roman" panose="02020603050405020304" pitchFamily="18" charset="0"/>
-                <a:ea typeface="Calibri" panose="020F0502020204030204" pitchFamily="34" charset="0"/>
-                <a:cs typeface="Times New Roman" panose="02020603050405020304" pitchFamily="18" charset="0"/>
-              </a:rPr>
-              <a:t>, </a:t>
-            </a:r>
-            <a:r>
-              <a:rPr lang="ru-RU" sz="1800" dirty="0" err="1">
-                <a:effectLst/>
-                <a:latin typeface="Times New Roman" panose="02020603050405020304" pitchFamily="18" charset="0"/>
-                <a:ea typeface="Calibri" panose="020F0502020204030204" pitchFamily="34" charset="0"/>
-                <a:cs typeface="Times New Roman" panose="02020603050405020304" pitchFamily="18" charset="0"/>
-              </a:rPr>
-              <a:t>Абденуром</a:t>
-            </a:r>
-            <a:r>
-              <a:rPr lang="ru-RU" sz="1800" dirty="0">
-                <a:effectLst/>
-                <a:latin typeface="Times New Roman" panose="02020603050405020304" pitchFamily="18" charset="0"/>
-                <a:ea typeface="Calibri" panose="020F0502020204030204" pitchFamily="34" charset="0"/>
-                <a:cs typeface="Times New Roman" panose="02020603050405020304" pitchFamily="18" charset="0"/>
-              </a:rPr>
-              <a:t> </a:t>
-            </a:r>
-            <a:r>
-              <a:rPr lang="ru-RU" sz="1800" dirty="0" err="1">
-                <a:effectLst/>
-                <a:latin typeface="Times New Roman" panose="02020603050405020304" pitchFamily="18" charset="0"/>
-                <a:ea typeface="Calibri" panose="020F0502020204030204" pitchFamily="34" charset="0"/>
-                <a:cs typeface="Times New Roman" panose="02020603050405020304" pitchFamily="18" charset="0"/>
-              </a:rPr>
-              <a:t>Хадидом</a:t>
-            </a:r>
-            <a:r>
-              <a:rPr lang="ru-RU" sz="1800" dirty="0">
-                <a:effectLst/>
-                <a:latin typeface="Times New Roman" panose="02020603050405020304" pitchFamily="18" charset="0"/>
-                <a:ea typeface="Calibri" panose="020F0502020204030204" pitchFamily="34" charset="0"/>
-                <a:cs typeface="Times New Roman" panose="02020603050405020304" pitchFamily="18" charset="0"/>
-              </a:rPr>
-              <a:t> и Матти </a:t>
-            </a:r>
-            <a:r>
-              <a:rPr lang="ru-RU" sz="1800" dirty="0" err="1">
-                <a:effectLst/>
-                <a:latin typeface="Times New Roman" panose="02020603050405020304" pitchFamily="18" charset="0"/>
-                <a:ea typeface="Calibri" panose="020F0502020204030204" pitchFamily="34" charset="0"/>
-                <a:cs typeface="Times New Roman" panose="02020603050405020304" pitchFamily="18" charset="0"/>
-              </a:rPr>
-              <a:t>Пиетикайненом</a:t>
-            </a:r>
-            <a:r>
-              <a:rPr lang="ru-RU" sz="1800" dirty="0">
-                <a:effectLst/>
-                <a:latin typeface="Times New Roman" panose="02020603050405020304" pitchFamily="18" charset="0"/>
-                <a:ea typeface="Calibri" panose="020F0502020204030204" pitchFamily="34" charset="0"/>
-                <a:cs typeface="Times New Roman" panose="02020603050405020304" pitchFamily="18" charset="0"/>
-              </a:rPr>
-              <a:t> в 2002 году. Алгоритм LBPH известен своей простотой и эффективностью, особенно в сценариях, когда доступный набор данных невелик.</a:t>
-            </a:r>
-            <a:endParaRPr lang="ru-RU" sz="1800" dirty="0">
-              <a:effectLst/>
-              <a:latin typeface="Calibri" panose="020F0502020204030204" pitchFamily="34" charset="0"/>
-              <a:ea typeface="Calibri" panose="020F0502020204030204" pitchFamily="34" charset="0"/>
-              <a:cs typeface="Times New Roman" panose="02020603050405020304" pitchFamily="18" charset="0"/>
-            </a:endParaRPr>
-          </a:p>
-          <a:p>
-            <a:endParaRPr lang="ru-RU" dirty="0"/>
+              <a:rPr lang="ru-RU" dirty="0"/>
+              <a:t>Классификаторы Хаара - классификаторы, которые использовались в первом детекторе лиц в реальном времени. Классификатор Хаара, или каскадный классификатор Хаара, - это программа машинного обучения для обнаружения объектов, которая идентифицирует объекты на изображениях и видео.</a:t>
+            </a:r>
           </a:p>
         </p:txBody>
       </p:sp>
     </p:spTree>
     <p:extLst>
       <p:ext uri="{BB962C8B-B14F-4D97-AF65-F5344CB8AC3E}">
-        <p14:creationId xmlns:p14="http://schemas.microsoft.com/office/powerpoint/2010/main" val="3151686027"/>
+        <p14:creationId xmlns:p14="http://schemas.microsoft.com/office/powerpoint/2010/main" val="1097279752"/>
       </p:ext>
     </p:extLst>
   </p:cSld>
@@ -6235,7 +6087,7 @@
           <p:cNvPr id="2" name="Заголовок 1">
             <a:extLst>
               <a:ext uri="{FF2B5EF4-FFF2-40B4-BE49-F238E27FC236}">
-                <a16:creationId xmlns:a16="http://schemas.microsoft.com/office/drawing/2014/main" id="{E90BC161-DD51-4006-AC88-2FA69E6A97B8}"/>
+                <a16:creationId xmlns:a16="http://schemas.microsoft.com/office/drawing/2014/main" id="{3068D709-7AB6-4C92-A96B-F9F4A7731635}"/>
               </a:ext>
             </a:extLst>
           </p:cNvPr>
@@ -6251,13 +6103,22 @@
           <a:bodyPr/>
           <a:lstStyle/>
           <a:p>
+            <a:pPr algn="ctr"/>
+            <a:r>
+              <a:rPr lang="en-US" dirty="0">
+                <a:solidFill>
+                  <a:schemeClr val="tx1"/>
+                </a:solidFill>
+              </a:rPr>
+              <a:t>LBPH </a:t>
+            </a:r>
             <a:r>
               <a:rPr lang="ru-RU" dirty="0">
                 <a:solidFill>
                   <a:schemeClr val="tx1"/>
                 </a:solidFill>
               </a:rPr>
-              <a:t>Разработка системы </a:t>
+              <a:t>Алгоритм</a:t>
             </a:r>
           </a:p>
         </p:txBody>
@@ -6267,7 +6128,7 @@
           <p:cNvPr id="3" name="Объект 2">
             <a:extLst>
               <a:ext uri="{FF2B5EF4-FFF2-40B4-BE49-F238E27FC236}">
-                <a16:creationId xmlns:a16="http://schemas.microsoft.com/office/drawing/2014/main" id="{182973D2-5834-4E70-8742-2A1432659241}"/>
+                <a16:creationId xmlns:a16="http://schemas.microsoft.com/office/drawing/2014/main" id="{D94BA315-7BCE-4E5E-8EBD-812E5837B0EA}"/>
               </a:ext>
             </a:extLst>
           </p:cNvPr>
@@ -6283,14 +6144,214 @@
           <a:bodyPr/>
           <a:lstStyle/>
           <a:p>
-            <a:endParaRPr lang="ru-RU"/>
-          </a:p>
-        </p:txBody>
-      </p:sp>
+            <a:r>
+              <a:rPr lang="ru-RU" sz="1800" dirty="0">
+                <a:effectLst/>
+                <a:latin typeface="Times New Roman" panose="02020603050405020304" pitchFamily="18" charset="0"/>
+                <a:ea typeface="Calibri" panose="020F0502020204030204" pitchFamily="34" charset="0"/>
+                <a:cs typeface="Times New Roman" panose="02020603050405020304" pitchFamily="18" charset="0"/>
+              </a:rPr>
+              <a:t>Алгоритм </a:t>
+            </a:r>
+            <a:r>
+              <a:rPr lang="ru-RU" sz="1800" dirty="0" err="1">
+                <a:effectLst/>
+                <a:latin typeface="Times New Roman" panose="02020603050405020304" pitchFamily="18" charset="0"/>
+                <a:ea typeface="Calibri" panose="020F0502020204030204" pitchFamily="34" charset="0"/>
+                <a:cs typeface="Times New Roman" panose="02020603050405020304" pitchFamily="18" charset="0"/>
+              </a:rPr>
+              <a:t>Local</a:t>
+            </a:r>
+            <a:r>
+              <a:rPr lang="ru-RU" sz="1800" dirty="0">
+                <a:effectLst/>
+                <a:latin typeface="Times New Roman" panose="02020603050405020304" pitchFamily="18" charset="0"/>
+                <a:ea typeface="Calibri" panose="020F0502020204030204" pitchFamily="34" charset="0"/>
+                <a:cs typeface="Times New Roman" panose="02020603050405020304" pitchFamily="18" charset="0"/>
+              </a:rPr>
+              <a:t> </a:t>
+            </a:r>
+            <a:r>
+              <a:rPr lang="ru-RU" sz="1800" dirty="0" err="1">
+                <a:effectLst/>
+                <a:latin typeface="Times New Roman" panose="02020603050405020304" pitchFamily="18" charset="0"/>
+                <a:ea typeface="Calibri" panose="020F0502020204030204" pitchFamily="34" charset="0"/>
+                <a:cs typeface="Times New Roman" panose="02020603050405020304" pitchFamily="18" charset="0"/>
+              </a:rPr>
+              <a:t>Binary</a:t>
+            </a:r>
+            <a:r>
+              <a:rPr lang="ru-RU" sz="1800" dirty="0">
+                <a:effectLst/>
+                <a:latin typeface="Times New Roman" panose="02020603050405020304" pitchFamily="18" charset="0"/>
+                <a:ea typeface="Calibri" panose="020F0502020204030204" pitchFamily="34" charset="0"/>
+                <a:cs typeface="Times New Roman" panose="02020603050405020304" pitchFamily="18" charset="0"/>
+              </a:rPr>
+              <a:t> </a:t>
+            </a:r>
+            <a:r>
+              <a:rPr lang="ru-RU" sz="1800" dirty="0" err="1">
+                <a:effectLst/>
+                <a:latin typeface="Times New Roman" panose="02020603050405020304" pitchFamily="18" charset="0"/>
+                <a:ea typeface="Calibri" panose="020F0502020204030204" pitchFamily="34" charset="0"/>
+                <a:cs typeface="Times New Roman" panose="02020603050405020304" pitchFamily="18" charset="0"/>
+              </a:rPr>
+              <a:t>Patterns</a:t>
+            </a:r>
+            <a:r>
+              <a:rPr lang="ru-RU" sz="1800" dirty="0">
+                <a:effectLst/>
+                <a:latin typeface="Times New Roman" panose="02020603050405020304" pitchFamily="18" charset="0"/>
+                <a:ea typeface="Calibri" panose="020F0502020204030204" pitchFamily="34" charset="0"/>
+                <a:cs typeface="Times New Roman" panose="02020603050405020304" pitchFamily="18" charset="0"/>
+              </a:rPr>
+              <a:t> </a:t>
+            </a:r>
+            <a:r>
+              <a:rPr lang="ru-RU" sz="1800" dirty="0" err="1">
+                <a:effectLst/>
+                <a:latin typeface="Times New Roman" panose="02020603050405020304" pitchFamily="18" charset="0"/>
+                <a:ea typeface="Calibri" panose="020F0502020204030204" pitchFamily="34" charset="0"/>
+                <a:cs typeface="Times New Roman" panose="02020603050405020304" pitchFamily="18" charset="0"/>
+              </a:rPr>
+              <a:t>Histogram</a:t>
+            </a:r>
+            <a:r>
+              <a:rPr lang="ru-RU" sz="1800" dirty="0">
+                <a:effectLst/>
+                <a:latin typeface="Times New Roman" panose="02020603050405020304" pitchFamily="18" charset="0"/>
+                <a:ea typeface="Calibri" panose="020F0502020204030204" pitchFamily="34" charset="0"/>
+                <a:cs typeface="Times New Roman" panose="02020603050405020304" pitchFamily="18" charset="0"/>
+              </a:rPr>
+              <a:t> (LBPH) - это широко используемый метод распознавания лиц и анализа текстуры. Впервые он был представлен Тимо </a:t>
+            </a:r>
+            <a:r>
+              <a:rPr lang="ru-RU" sz="1800" dirty="0" err="1">
+                <a:effectLst/>
+                <a:latin typeface="Times New Roman" panose="02020603050405020304" pitchFamily="18" charset="0"/>
+                <a:ea typeface="Calibri" panose="020F0502020204030204" pitchFamily="34" charset="0"/>
+                <a:cs typeface="Times New Roman" panose="02020603050405020304" pitchFamily="18" charset="0"/>
+              </a:rPr>
+              <a:t>Ахоненом</a:t>
+            </a:r>
+            <a:r>
+              <a:rPr lang="ru-RU" sz="1800" dirty="0">
+                <a:effectLst/>
+                <a:latin typeface="Times New Roman" panose="02020603050405020304" pitchFamily="18" charset="0"/>
+                <a:ea typeface="Calibri" panose="020F0502020204030204" pitchFamily="34" charset="0"/>
+                <a:cs typeface="Times New Roman" panose="02020603050405020304" pitchFamily="18" charset="0"/>
+              </a:rPr>
+              <a:t>, </a:t>
+            </a:r>
+            <a:r>
+              <a:rPr lang="ru-RU" sz="1800" dirty="0" err="1">
+                <a:effectLst/>
+                <a:latin typeface="Times New Roman" panose="02020603050405020304" pitchFamily="18" charset="0"/>
+                <a:ea typeface="Calibri" panose="020F0502020204030204" pitchFamily="34" charset="0"/>
+                <a:cs typeface="Times New Roman" panose="02020603050405020304" pitchFamily="18" charset="0"/>
+              </a:rPr>
+              <a:t>Абденуром</a:t>
+            </a:r>
+            <a:r>
+              <a:rPr lang="ru-RU" sz="1800" dirty="0">
+                <a:effectLst/>
+                <a:latin typeface="Times New Roman" panose="02020603050405020304" pitchFamily="18" charset="0"/>
+                <a:ea typeface="Calibri" panose="020F0502020204030204" pitchFamily="34" charset="0"/>
+                <a:cs typeface="Times New Roman" panose="02020603050405020304" pitchFamily="18" charset="0"/>
+              </a:rPr>
+              <a:t> </a:t>
+            </a:r>
+            <a:r>
+              <a:rPr lang="ru-RU" sz="1800" dirty="0" err="1">
+                <a:effectLst/>
+                <a:latin typeface="Times New Roman" panose="02020603050405020304" pitchFamily="18" charset="0"/>
+                <a:ea typeface="Calibri" panose="020F0502020204030204" pitchFamily="34" charset="0"/>
+                <a:cs typeface="Times New Roman" panose="02020603050405020304" pitchFamily="18" charset="0"/>
+              </a:rPr>
+              <a:t>Хадидом</a:t>
+            </a:r>
+            <a:r>
+              <a:rPr lang="ru-RU" sz="1800" dirty="0">
+                <a:effectLst/>
+                <a:latin typeface="Times New Roman" panose="02020603050405020304" pitchFamily="18" charset="0"/>
+                <a:ea typeface="Calibri" panose="020F0502020204030204" pitchFamily="34" charset="0"/>
+                <a:cs typeface="Times New Roman" panose="02020603050405020304" pitchFamily="18" charset="0"/>
+              </a:rPr>
+              <a:t> и Матти </a:t>
+            </a:r>
+            <a:r>
+              <a:rPr lang="ru-RU" sz="1800" dirty="0" err="1">
+                <a:effectLst/>
+                <a:latin typeface="Times New Roman" panose="02020603050405020304" pitchFamily="18" charset="0"/>
+                <a:ea typeface="Calibri" panose="020F0502020204030204" pitchFamily="34" charset="0"/>
+                <a:cs typeface="Times New Roman" panose="02020603050405020304" pitchFamily="18" charset="0"/>
+              </a:rPr>
+              <a:t>Пиетикайненом</a:t>
+            </a:r>
+            <a:r>
+              <a:rPr lang="ru-RU" sz="1800" dirty="0">
+                <a:effectLst/>
+                <a:latin typeface="Times New Roman" panose="02020603050405020304" pitchFamily="18" charset="0"/>
+                <a:ea typeface="Calibri" panose="020F0502020204030204" pitchFamily="34" charset="0"/>
+                <a:cs typeface="Times New Roman" panose="02020603050405020304" pitchFamily="18" charset="0"/>
+              </a:rPr>
+              <a:t> в 2002 году. Алгоритм LBPH известен своей простотой и эффективностью, особенно в сценариях, когда доступный набор данных невелик.</a:t>
+            </a:r>
+            <a:endParaRPr lang="ru-RU" sz="1800" dirty="0">
+              <a:effectLst/>
+              <a:latin typeface="Calibri" panose="020F0502020204030204" pitchFamily="34" charset="0"/>
+              <a:ea typeface="Calibri" panose="020F0502020204030204" pitchFamily="34" charset="0"/>
+              <a:cs typeface="Times New Roman" panose="02020603050405020304" pitchFamily="18" charset="0"/>
+            </a:endParaRPr>
+          </a:p>
+          <a:p>
+            <a:endParaRPr lang="ru-RU" dirty="0"/>
+          </a:p>
+        </p:txBody>
+      </p:sp>
+      <p:pic>
+        <p:nvPicPr>
+          <p:cNvPr id="4" name="Рисунок 3">
+            <a:extLst>
+              <a:ext uri="{FF2B5EF4-FFF2-40B4-BE49-F238E27FC236}">
+                <a16:creationId xmlns:a16="http://schemas.microsoft.com/office/drawing/2014/main" id="{8CB9C07A-39EF-41C0-BE4E-975437EBE9CA}"/>
+              </a:ext>
+            </a:extLst>
+          </p:cNvPr>
+          <p:cNvPicPr/>
+          <p:nvPr/>
+        </p:nvPicPr>
+        <p:blipFill>
+          <a:blip r:embed="rId2">
+            <a:extLst>
+              <a:ext uri="{28A0092B-C50C-407E-A947-70E740481C1C}">
+                <a14:useLocalDpi xmlns:a14="http://schemas.microsoft.com/office/drawing/2010/main" val="0"/>
+              </a:ext>
+            </a:extLst>
+          </a:blip>
+          <a:srcRect/>
+          <a:stretch>
+            <a:fillRect/>
+          </a:stretch>
+        </p:blipFill>
+        <p:spPr bwMode="auto">
+          <a:xfrm>
+            <a:off x="2005455" y="3980554"/>
+            <a:ext cx="5940425" cy="1656715"/>
+          </a:xfrm>
+          <a:prstGeom prst="rect">
+            <a:avLst/>
+          </a:prstGeom>
+          <a:noFill/>
+          <a:ln>
+            <a:noFill/>
+          </a:ln>
+        </p:spPr>
+      </p:pic>
     </p:spTree>
     <p:extLst>
       <p:ext uri="{BB962C8B-B14F-4D97-AF65-F5344CB8AC3E}">
-        <p14:creationId xmlns:p14="http://schemas.microsoft.com/office/powerpoint/2010/main" val="1357688225"/>
+        <p14:creationId xmlns:p14="http://schemas.microsoft.com/office/powerpoint/2010/main" val="3151686027"/>
       </p:ext>
     </p:extLst>
   </p:cSld>
@@ -6322,7 +6383,7 @@
           <p:cNvPr id="2" name="Заголовок 1">
             <a:extLst>
               <a:ext uri="{FF2B5EF4-FFF2-40B4-BE49-F238E27FC236}">
-                <a16:creationId xmlns:a16="http://schemas.microsoft.com/office/drawing/2014/main" id="{E90BC161-DD51-4006-AC88-2FA69E6A97B8}"/>
+                <a16:creationId xmlns:a16="http://schemas.microsoft.com/office/drawing/2014/main" id="{6FE41755-C843-47D3-94A2-3A4E0AF52255}"/>
               </a:ext>
             </a:extLst>
           </p:cNvPr>
@@ -6338,46 +6399,127 @@
           <a:bodyPr/>
           <a:lstStyle/>
           <a:p>
+            <a:pPr algn="ctr"/>
+            <a:r>
+              <a:rPr lang="en-US" dirty="0">
+                <a:solidFill>
+                  <a:schemeClr val="tx1"/>
+                </a:solidFill>
+              </a:rPr>
+              <a:t>LBPH </a:t>
+            </a:r>
             <a:r>
               <a:rPr lang="ru-RU" dirty="0">
                 <a:solidFill>
                   <a:schemeClr val="tx1"/>
                 </a:solidFill>
               </a:rPr>
-              <a:t>Разработка системы </a:t>
-            </a:r>
-          </a:p>
-        </p:txBody>
-      </p:sp>
-      <p:sp>
-        <p:nvSpPr>
-          <p:cNvPr id="3" name="Объект 2">
+              <a:t>Алгоритм</a:t>
+            </a:r>
+            <a:endParaRPr lang="ru-RU" dirty="0"/>
+          </a:p>
+        </p:txBody>
+      </p:sp>
+      <p:pic>
+        <p:nvPicPr>
+          <p:cNvPr id="4" name="Объект 3">
             <a:extLst>
               <a:ext uri="{FF2B5EF4-FFF2-40B4-BE49-F238E27FC236}">
-                <a16:creationId xmlns:a16="http://schemas.microsoft.com/office/drawing/2014/main" id="{182973D2-5834-4E70-8742-2A1432659241}"/>
+                <a16:creationId xmlns:a16="http://schemas.microsoft.com/office/drawing/2014/main" id="{1304FC2B-86DB-4C1E-9363-EB60385256F7}"/>
               </a:ext>
             </a:extLst>
           </p:cNvPr>
-          <p:cNvSpPr>
-            <a:spLocks noGrp="1"/>
-          </p:cNvSpPr>
+          <p:cNvPicPr>
+            <a:picLocks noGrp="1"/>
+          </p:cNvPicPr>
           <p:nvPr>
             <p:ph idx="1"/>
           </p:nvPr>
-        </p:nvSpPr>
-        <p:spPr/>
-        <p:txBody>
-          <a:bodyPr/>
-          <a:lstStyle/>
-          <a:p>
-            <a:endParaRPr lang="ru-RU"/>
+        </p:nvPicPr>
+        <p:blipFill>
+          <a:blip r:embed="rId2">
+            <a:extLst>
+              <a:ext uri="{28A0092B-C50C-407E-A947-70E740481C1C}">
+                <a14:useLocalDpi xmlns:a14="http://schemas.microsoft.com/office/drawing/2010/main" val="0"/>
+              </a:ext>
+            </a:extLst>
+          </a:blip>
+          <a:srcRect/>
+          <a:stretch>
+            <a:fillRect/>
+          </a:stretch>
+        </p:blipFill>
+        <p:spPr bwMode="auto">
+          <a:xfrm>
+            <a:off x="677334" y="1930400"/>
+            <a:ext cx="8596312" cy="2161358"/>
+          </a:xfrm>
+          <a:prstGeom prst="rect">
+            <a:avLst/>
+          </a:prstGeom>
+          <a:noFill/>
+          <a:ln>
+            <a:noFill/>
+          </a:ln>
+        </p:spPr>
+      </p:pic>
+      <p:sp>
+        <p:nvSpPr>
+          <p:cNvPr id="5" name="TextBox 4">
+            <a:extLst>
+              <a:ext uri="{FF2B5EF4-FFF2-40B4-BE49-F238E27FC236}">
+                <a16:creationId xmlns:a16="http://schemas.microsoft.com/office/drawing/2014/main" id="{1CAD0B80-69FC-4AD5-8F43-A4791D8F8F50}"/>
+              </a:ext>
+            </a:extLst>
+          </p:cNvPr>
+          <p:cNvSpPr txBox="1"/>
+          <p:nvPr/>
+        </p:nvSpPr>
+        <p:spPr>
+          <a:xfrm>
+            <a:off x="677334" y="4327436"/>
+            <a:ext cx="9484583" cy="1200329"/>
+          </a:xfrm>
+          <a:prstGeom prst="rect">
+            <a:avLst/>
+          </a:prstGeom>
+          <a:noFill/>
+        </p:spPr>
+        <p:txBody>
+          <a:bodyPr wrap="square" rtlCol="0">
+            <a:spAutoFit/>
+          </a:bodyPr>
+          <a:lstStyle/>
+          <a:p>
+            <a:r>
+              <a:rPr lang="ru-RU" dirty="0"/>
+              <a:t>Алгоритм LBPH работает с полутоновыми изображениями, улавливая локальную </a:t>
+            </a:r>
+          </a:p>
+          <a:p>
+            <a:r>
+              <a:rPr lang="ru-RU" dirty="0"/>
+              <a:t>структуру изображения. Он описывает текстуру данного пикселя, сравнивая его </a:t>
+            </a:r>
+          </a:p>
+          <a:p>
+            <a:r>
+              <a:rPr lang="ru-RU" dirty="0"/>
+              <a:t>с соседними и кодируя результат в двоичный шаблон. Затем эти двоичные шаблоны </a:t>
+            </a:r>
+          </a:p>
+          <a:p>
+            <a:r>
+              <a:rPr lang="ru-RU" dirty="0"/>
+              <a:t>объединяются в гистограмму, которая отражает общую текстуру изображения.</a:t>
+            </a:r>
           </a:p>
         </p:txBody>
       </p:sp>
     </p:spTree>
     <p:extLst>
       <p:ext uri="{BB962C8B-B14F-4D97-AF65-F5344CB8AC3E}">
-        <p14:creationId xmlns:p14="http://schemas.microsoft.com/office/powerpoint/2010/main" val="2166719267"/>
+        <p14:creationId xmlns:p14="http://schemas.microsoft.com/office/powerpoint/2010/main" val="2593810985"/>
       </p:ext>
     </p:extLst>
   </p:cSld>
@@ -6409,7 +6551,7 @@
           <p:cNvPr id="2" name="Заголовок 1">
             <a:extLst>
               <a:ext uri="{FF2B5EF4-FFF2-40B4-BE49-F238E27FC236}">
-                <a16:creationId xmlns:a16="http://schemas.microsoft.com/office/drawing/2014/main" id="{E90BC161-DD51-4006-AC88-2FA69E6A97B8}"/>
+                <a16:creationId xmlns:a16="http://schemas.microsoft.com/office/drawing/2014/main" id="{2F91E5DF-C19D-4D09-BBA9-125C14871710}"/>
               </a:ext>
             </a:extLst>
           </p:cNvPr>
@@ -6425,46 +6567,57 @@
           <a:bodyPr/>
           <a:lstStyle/>
           <a:p>
+            <a:pPr algn="ctr"/>
             <a:r>
               <a:rPr lang="ru-RU" dirty="0">
                 <a:solidFill>
                   <a:schemeClr val="tx1"/>
                 </a:solidFill>
               </a:rPr>
-              <a:t>Разработка системы </a:t>
-            </a:r>
-          </a:p>
-        </p:txBody>
-      </p:sp>
-      <p:sp>
-        <p:nvSpPr>
-          <p:cNvPr id="3" name="Объект 2">
+              <a:t>Результат работы алгоритмов</a:t>
+            </a:r>
+          </a:p>
+        </p:txBody>
+      </p:sp>
+      <p:pic>
+        <p:nvPicPr>
+          <p:cNvPr id="5" name="Объект 4">
             <a:extLst>
               <a:ext uri="{FF2B5EF4-FFF2-40B4-BE49-F238E27FC236}">
-                <a16:creationId xmlns:a16="http://schemas.microsoft.com/office/drawing/2014/main" id="{182973D2-5834-4E70-8742-2A1432659241}"/>
+                <a16:creationId xmlns:a16="http://schemas.microsoft.com/office/drawing/2014/main" id="{B15A0B71-34C5-436B-B246-3426E15B4F31}"/>
               </a:ext>
             </a:extLst>
           </p:cNvPr>
-          <p:cNvSpPr>
-            <a:spLocks noGrp="1"/>
-          </p:cNvSpPr>
+          <p:cNvPicPr>
+            <a:picLocks noGrp="1" noChangeAspect="1"/>
+          </p:cNvPicPr>
           <p:nvPr>
             <p:ph idx="1"/>
           </p:nvPr>
-        </p:nvSpPr>
-        <p:spPr/>
-        <p:txBody>
-          <a:bodyPr/>
-          <a:lstStyle/>
-          <a:p>
-            <a:endParaRPr lang="ru-RU"/>
-          </a:p>
-        </p:txBody>
-      </p:sp>
+        </p:nvPicPr>
+        <p:blipFill>
+          <a:blip r:embed="rId2">
+            <a:extLst>
+              <a:ext uri="{28A0092B-C50C-407E-A947-70E740481C1C}">
+                <a14:useLocalDpi xmlns:a14="http://schemas.microsoft.com/office/drawing/2010/main" val="0"/>
+              </a:ext>
+            </a:extLst>
+          </a:blip>
+          <a:stretch>
+            <a:fillRect/>
+          </a:stretch>
+        </p:blipFill>
+        <p:spPr>
+          <a:xfrm>
+            <a:off x="2388043" y="1930400"/>
+            <a:ext cx="5175249" cy="3881437"/>
+          </a:xfrm>
+        </p:spPr>
+      </p:pic>
     </p:spTree>
     <p:extLst>
       <p:ext uri="{BB962C8B-B14F-4D97-AF65-F5344CB8AC3E}">
-        <p14:creationId xmlns:p14="http://schemas.microsoft.com/office/powerpoint/2010/main" val="4120262948"/>
+        <p14:creationId xmlns:p14="http://schemas.microsoft.com/office/powerpoint/2010/main" val="954523811"/>
       </p:ext>
     </p:extLst>
   </p:cSld>
@@ -6496,6 +6649,538 @@
           <p:cNvPr id="2" name="Заголовок 1">
             <a:extLst>
               <a:ext uri="{FF2B5EF4-FFF2-40B4-BE49-F238E27FC236}">
+                <a16:creationId xmlns:a16="http://schemas.microsoft.com/office/drawing/2014/main" id="{E90BC161-DD51-4006-AC88-2FA69E6A97B8}"/>
+              </a:ext>
+            </a:extLst>
+          </p:cNvPr>
+          <p:cNvSpPr>
+            <a:spLocks noGrp="1"/>
+          </p:cNvSpPr>
+          <p:nvPr>
+            <p:ph type="title"/>
+          </p:nvPr>
+        </p:nvSpPr>
+        <p:spPr/>
+        <p:txBody>
+          <a:bodyPr/>
+          <a:lstStyle/>
+          <a:p>
+            <a:r>
+              <a:rPr lang="ru-RU" dirty="0">
+                <a:solidFill>
+                  <a:schemeClr val="tx1"/>
+                </a:solidFill>
+              </a:rPr>
+              <a:t>Разработка системы </a:t>
+            </a:r>
+          </a:p>
+        </p:txBody>
+      </p:sp>
+      <p:pic>
+        <p:nvPicPr>
+          <p:cNvPr id="5" name="Объект 4">
+            <a:extLst>
+              <a:ext uri="{FF2B5EF4-FFF2-40B4-BE49-F238E27FC236}">
+                <a16:creationId xmlns:a16="http://schemas.microsoft.com/office/drawing/2014/main" id="{DBCB871E-A80B-4647-8466-41B8E83C378F}"/>
+              </a:ext>
+            </a:extLst>
+          </p:cNvPr>
+          <p:cNvPicPr>
+            <a:picLocks noGrp="1" noChangeAspect="1"/>
+          </p:cNvPicPr>
+          <p:nvPr>
+            <p:ph idx="1"/>
+          </p:nvPr>
+        </p:nvPicPr>
+        <p:blipFill>
+          <a:blip r:embed="rId2">
+            <a:extLst>
+              <a:ext uri="{28A0092B-C50C-407E-A947-70E740481C1C}">
+                <a14:useLocalDpi xmlns:a14="http://schemas.microsoft.com/office/drawing/2010/main" val="0"/>
+              </a:ext>
+            </a:extLst>
+          </a:blip>
+          <a:stretch>
+            <a:fillRect/>
+          </a:stretch>
+        </p:blipFill>
+        <p:spPr>
+          <a:xfrm>
+            <a:off x="3937027" y="1270000"/>
+            <a:ext cx="5336975" cy="3881437"/>
+          </a:xfrm>
+        </p:spPr>
+      </p:pic>
+      <p:sp>
+        <p:nvSpPr>
+          <p:cNvPr id="6" name="TextBox 5">
+            <a:extLst>
+              <a:ext uri="{FF2B5EF4-FFF2-40B4-BE49-F238E27FC236}">
+                <a16:creationId xmlns:a16="http://schemas.microsoft.com/office/drawing/2014/main" id="{1E8388E6-739A-4211-A52C-BC30F697DF91}"/>
+              </a:ext>
+            </a:extLst>
+          </p:cNvPr>
+          <p:cNvSpPr txBox="1"/>
+          <p:nvPr/>
+        </p:nvSpPr>
+        <p:spPr>
+          <a:xfrm>
+            <a:off x="677334" y="1930400"/>
+            <a:ext cx="2922595" cy="369332"/>
+          </a:xfrm>
+          <a:prstGeom prst="rect">
+            <a:avLst/>
+          </a:prstGeom>
+          <a:noFill/>
+        </p:spPr>
+        <p:txBody>
+          <a:bodyPr wrap="none" rtlCol="0">
+            <a:spAutoFit/>
+          </a:bodyPr>
+          <a:lstStyle/>
+          <a:p>
+            <a:r>
+              <a:rPr lang="ru-RU" dirty="0"/>
+              <a:t>Главное «меню» системы</a:t>
+            </a:r>
+          </a:p>
+        </p:txBody>
+      </p:sp>
+    </p:spTree>
+    <p:extLst>
+      <p:ext uri="{BB962C8B-B14F-4D97-AF65-F5344CB8AC3E}">
+        <p14:creationId xmlns:p14="http://schemas.microsoft.com/office/powerpoint/2010/main" val="1357688225"/>
+      </p:ext>
+    </p:extLst>
+  </p:cSld>
+  <p:clrMapOvr>
+    <a:masterClrMapping/>
+  </p:clrMapOvr>
+</p:sld>
+</file>
+
+<file path=ppt/slides/slide15.xml><?xml version="1.0" encoding="utf-8"?>
+<p:sld xmlns:a="http://schemas.openxmlformats.org/drawingml/2006/main" xmlns:r="http://schemas.openxmlformats.org/officeDocument/2006/relationships" xmlns:p="http://schemas.openxmlformats.org/presentationml/2006/main">
+  <p:cSld>
+    <p:spTree>
+      <p:nvGrpSpPr>
+        <p:cNvPr id="1" name=""/>
+        <p:cNvGrpSpPr/>
+        <p:nvPr/>
+      </p:nvGrpSpPr>
+      <p:grpSpPr>
+        <a:xfrm>
+          <a:off x="0" y="0"/>
+          <a:ext cx="0" cy="0"/>
+          <a:chOff x="0" y="0"/>
+          <a:chExt cx="0" cy="0"/>
+        </a:xfrm>
+      </p:grpSpPr>
+      <p:sp>
+        <p:nvSpPr>
+          <p:cNvPr id="2" name="Заголовок 1">
+            <a:extLst>
+              <a:ext uri="{FF2B5EF4-FFF2-40B4-BE49-F238E27FC236}">
+                <a16:creationId xmlns:a16="http://schemas.microsoft.com/office/drawing/2014/main" id="{E90BC161-DD51-4006-AC88-2FA69E6A97B8}"/>
+              </a:ext>
+            </a:extLst>
+          </p:cNvPr>
+          <p:cNvSpPr>
+            <a:spLocks noGrp="1"/>
+          </p:cNvSpPr>
+          <p:nvPr>
+            <p:ph type="title"/>
+          </p:nvPr>
+        </p:nvSpPr>
+        <p:spPr/>
+        <p:txBody>
+          <a:bodyPr/>
+          <a:lstStyle/>
+          <a:p>
+            <a:r>
+              <a:rPr lang="ru-RU" dirty="0">
+                <a:solidFill>
+                  <a:schemeClr val="tx1"/>
+                </a:solidFill>
+              </a:rPr>
+              <a:t>Разработка системы </a:t>
+            </a:r>
+          </a:p>
+        </p:txBody>
+      </p:sp>
+      <p:pic>
+        <p:nvPicPr>
+          <p:cNvPr id="7" name="Объект 6">
+            <a:extLst>
+              <a:ext uri="{FF2B5EF4-FFF2-40B4-BE49-F238E27FC236}">
+                <a16:creationId xmlns:a16="http://schemas.microsoft.com/office/drawing/2014/main" id="{399EC2F6-B505-4CCE-BAC8-BC434E0FFD5E}"/>
+              </a:ext>
+            </a:extLst>
+          </p:cNvPr>
+          <p:cNvPicPr>
+            <a:picLocks noGrp="1" noChangeAspect="1"/>
+          </p:cNvPicPr>
+          <p:nvPr>
+            <p:ph idx="1"/>
+          </p:nvPr>
+        </p:nvPicPr>
+        <p:blipFill>
+          <a:blip r:embed="rId2">
+            <a:extLst>
+              <a:ext uri="{28A0092B-C50C-407E-A947-70E740481C1C}">
+                <a14:useLocalDpi xmlns:a14="http://schemas.microsoft.com/office/drawing/2010/main" val="0"/>
+              </a:ext>
+            </a:extLst>
+          </a:blip>
+          <a:stretch>
+            <a:fillRect/>
+          </a:stretch>
+        </p:blipFill>
+        <p:spPr>
+          <a:xfrm>
+            <a:off x="1219521" y="1673383"/>
+            <a:ext cx="8855504" cy="4575017"/>
+          </a:xfrm>
+        </p:spPr>
+      </p:pic>
+      <p:sp>
+        <p:nvSpPr>
+          <p:cNvPr id="8" name="TextBox 7">
+            <a:extLst>
+              <a:ext uri="{FF2B5EF4-FFF2-40B4-BE49-F238E27FC236}">
+                <a16:creationId xmlns:a16="http://schemas.microsoft.com/office/drawing/2014/main" id="{A4D4D78F-112A-4BE7-BC7D-324FE45F9F9D}"/>
+              </a:ext>
+            </a:extLst>
+          </p:cNvPr>
+          <p:cNvSpPr txBox="1"/>
+          <p:nvPr/>
+        </p:nvSpPr>
+        <p:spPr>
+          <a:xfrm>
+            <a:off x="3580841" y="6248400"/>
+            <a:ext cx="4132863" cy="646331"/>
+          </a:xfrm>
+          <a:prstGeom prst="rect">
+            <a:avLst/>
+          </a:prstGeom>
+          <a:noFill/>
+        </p:spPr>
+        <p:txBody>
+          <a:bodyPr wrap="none" rtlCol="0">
+            <a:spAutoFit/>
+          </a:bodyPr>
+          <a:lstStyle/>
+          <a:p>
+            <a:r>
+              <a:rPr lang="ru-RU" dirty="0"/>
+              <a:t>Форма заполнения данных студента </a:t>
+            </a:r>
+          </a:p>
+          <a:p>
+            <a:endParaRPr lang="ru-RU" dirty="0"/>
+          </a:p>
+        </p:txBody>
+      </p:sp>
+    </p:spTree>
+    <p:extLst>
+      <p:ext uri="{BB962C8B-B14F-4D97-AF65-F5344CB8AC3E}">
+        <p14:creationId xmlns:p14="http://schemas.microsoft.com/office/powerpoint/2010/main" val="2166719267"/>
+      </p:ext>
+    </p:extLst>
+  </p:cSld>
+  <p:clrMapOvr>
+    <a:masterClrMapping/>
+  </p:clrMapOvr>
+</p:sld>
+</file>
+
+<file path=ppt/slides/slide16.xml><?xml version="1.0" encoding="utf-8"?>
+<p:sld xmlns:a="http://schemas.openxmlformats.org/drawingml/2006/main" xmlns:r="http://schemas.openxmlformats.org/officeDocument/2006/relationships" xmlns:p="http://schemas.openxmlformats.org/presentationml/2006/main">
+  <p:cSld>
+    <p:spTree>
+      <p:nvGrpSpPr>
+        <p:cNvPr id="1" name=""/>
+        <p:cNvGrpSpPr/>
+        <p:nvPr/>
+      </p:nvGrpSpPr>
+      <p:grpSpPr>
+        <a:xfrm>
+          <a:off x="0" y="0"/>
+          <a:ext cx="0" cy="0"/>
+          <a:chOff x="0" y="0"/>
+          <a:chExt cx="0" cy="0"/>
+        </a:xfrm>
+      </p:grpSpPr>
+      <p:sp>
+        <p:nvSpPr>
+          <p:cNvPr id="2" name="Заголовок 1">
+            <a:extLst>
+              <a:ext uri="{FF2B5EF4-FFF2-40B4-BE49-F238E27FC236}">
+                <a16:creationId xmlns:a16="http://schemas.microsoft.com/office/drawing/2014/main" id="{E90BC161-DD51-4006-AC88-2FA69E6A97B8}"/>
+              </a:ext>
+            </a:extLst>
+          </p:cNvPr>
+          <p:cNvSpPr>
+            <a:spLocks noGrp="1"/>
+          </p:cNvSpPr>
+          <p:nvPr>
+            <p:ph type="title"/>
+          </p:nvPr>
+        </p:nvSpPr>
+        <p:spPr/>
+        <p:txBody>
+          <a:bodyPr/>
+          <a:lstStyle/>
+          <a:p>
+            <a:r>
+              <a:rPr lang="ru-RU" dirty="0">
+                <a:solidFill>
+                  <a:schemeClr val="tx1"/>
+                </a:solidFill>
+              </a:rPr>
+              <a:t>Разработка системы </a:t>
+            </a:r>
+          </a:p>
+        </p:txBody>
+      </p:sp>
+      <p:pic>
+        <p:nvPicPr>
+          <p:cNvPr id="5" name="Объект 4">
+            <a:extLst>
+              <a:ext uri="{FF2B5EF4-FFF2-40B4-BE49-F238E27FC236}">
+                <a16:creationId xmlns:a16="http://schemas.microsoft.com/office/drawing/2014/main" id="{C66AB2C4-875C-460F-9818-F228F509A87D}"/>
+              </a:ext>
+            </a:extLst>
+          </p:cNvPr>
+          <p:cNvPicPr>
+            <a:picLocks noGrp="1" noChangeAspect="1"/>
+          </p:cNvPicPr>
+          <p:nvPr>
+            <p:ph idx="1"/>
+          </p:nvPr>
+        </p:nvPicPr>
+        <p:blipFill>
+          <a:blip r:embed="rId2">
+            <a:extLst>
+              <a:ext uri="{28A0092B-C50C-407E-A947-70E740481C1C}">
+                <a14:useLocalDpi xmlns:a14="http://schemas.microsoft.com/office/drawing/2010/main" val="0"/>
+              </a:ext>
+            </a:extLst>
+          </a:blip>
+          <a:stretch>
+            <a:fillRect/>
+          </a:stretch>
+        </p:blipFill>
+        <p:spPr>
+          <a:xfrm>
+            <a:off x="1774963" y="1930400"/>
+            <a:ext cx="6834373" cy="3881437"/>
+          </a:xfrm>
+        </p:spPr>
+      </p:pic>
+      <p:sp>
+        <p:nvSpPr>
+          <p:cNvPr id="6" name="TextBox 5">
+            <a:extLst>
+              <a:ext uri="{FF2B5EF4-FFF2-40B4-BE49-F238E27FC236}">
+                <a16:creationId xmlns:a16="http://schemas.microsoft.com/office/drawing/2014/main" id="{38D7ADCB-F476-4A1D-8D30-A29A5128BBA8}"/>
+              </a:ext>
+            </a:extLst>
+          </p:cNvPr>
+          <p:cNvSpPr txBox="1"/>
+          <p:nvPr/>
+        </p:nvSpPr>
+        <p:spPr>
+          <a:xfrm>
+            <a:off x="4056611" y="6063734"/>
+            <a:ext cx="2877711" cy="369332"/>
+          </a:xfrm>
+          <a:prstGeom prst="rect">
+            <a:avLst/>
+          </a:prstGeom>
+          <a:noFill/>
+        </p:spPr>
+        <p:txBody>
+          <a:bodyPr wrap="none" rtlCol="0">
+            <a:spAutoFit/>
+          </a:bodyPr>
+          <a:lstStyle/>
+          <a:p>
+            <a:r>
+              <a:rPr lang="ru-RU" dirty="0"/>
+              <a:t>Окно сохранения данных</a:t>
+            </a:r>
+          </a:p>
+        </p:txBody>
+      </p:sp>
+    </p:spTree>
+    <p:extLst>
+      <p:ext uri="{BB962C8B-B14F-4D97-AF65-F5344CB8AC3E}">
+        <p14:creationId xmlns:p14="http://schemas.microsoft.com/office/powerpoint/2010/main" val="4120262948"/>
+      </p:ext>
+    </p:extLst>
+  </p:cSld>
+  <p:clrMapOvr>
+    <a:masterClrMapping/>
+  </p:clrMapOvr>
+</p:sld>
+</file>
+
+<file path=ppt/slides/slide17.xml><?xml version="1.0" encoding="utf-8"?>
+<p:sld xmlns:a="http://schemas.openxmlformats.org/drawingml/2006/main" xmlns:r="http://schemas.openxmlformats.org/officeDocument/2006/relationships" xmlns:p="http://schemas.openxmlformats.org/presentationml/2006/main">
+  <p:cSld>
+    <p:spTree>
+      <p:nvGrpSpPr>
+        <p:cNvPr id="1" name=""/>
+        <p:cNvGrpSpPr/>
+        <p:nvPr/>
+      </p:nvGrpSpPr>
+      <p:grpSpPr>
+        <a:xfrm>
+          <a:off x="0" y="0"/>
+          <a:ext cx="0" cy="0"/>
+          <a:chOff x="0" y="0"/>
+          <a:chExt cx="0" cy="0"/>
+        </a:xfrm>
+      </p:grpSpPr>
+      <p:sp>
+        <p:nvSpPr>
+          <p:cNvPr id="2" name="Заголовок 1">
+            <a:extLst>
+              <a:ext uri="{FF2B5EF4-FFF2-40B4-BE49-F238E27FC236}">
+                <a16:creationId xmlns:a16="http://schemas.microsoft.com/office/drawing/2014/main" id="{3AFEC84D-A249-4CCD-AC05-E8D4291F6423}"/>
+              </a:ext>
+            </a:extLst>
+          </p:cNvPr>
+          <p:cNvSpPr>
+            <a:spLocks noGrp="1"/>
+          </p:cNvSpPr>
+          <p:nvPr>
+            <p:ph type="title"/>
+          </p:nvPr>
+        </p:nvSpPr>
+        <p:spPr/>
+        <p:txBody>
+          <a:bodyPr/>
+          <a:lstStyle/>
+          <a:p>
+            <a:r>
+              <a:rPr lang="ru-RU" dirty="0">
+                <a:solidFill>
+                  <a:schemeClr val="tx1"/>
+                </a:solidFill>
+              </a:rPr>
+              <a:t>Разработка системы </a:t>
+            </a:r>
+            <a:endParaRPr lang="ru-RU" dirty="0"/>
+          </a:p>
+        </p:txBody>
+      </p:sp>
+      <p:pic>
+        <p:nvPicPr>
+          <p:cNvPr id="5" name="Объект 4">
+            <a:extLst>
+              <a:ext uri="{FF2B5EF4-FFF2-40B4-BE49-F238E27FC236}">
+                <a16:creationId xmlns:a16="http://schemas.microsoft.com/office/drawing/2014/main" id="{B6A67746-91F6-42F1-9651-A4105E2A815D}"/>
+              </a:ext>
+            </a:extLst>
+          </p:cNvPr>
+          <p:cNvPicPr>
+            <a:picLocks noGrp="1" noChangeAspect="1"/>
+          </p:cNvPicPr>
+          <p:nvPr>
+            <p:ph idx="1"/>
+          </p:nvPr>
+        </p:nvPicPr>
+        <p:blipFill>
+          <a:blip r:embed="rId2">
+            <a:extLst>
+              <a:ext uri="{28A0092B-C50C-407E-A947-70E740481C1C}">
+                <a14:useLocalDpi xmlns:a14="http://schemas.microsoft.com/office/drawing/2010/main" val="0"/>
+              </a:ext>
+            </a:extLst>
+          </a:blip>
+          <a:stretch>
+            <a:fillRect/>
+          </a:stretch>
+        </p:blipFill>
+        <p:spPr>
+          <a:xfrm>
+            <a:off x="677334" y="1971472"/>
+            <a:ext cx="8364117" cy="1457528"/>
+          </a:xfrm>
+        </p:spPr>
+      </p:pic>
+      <p:sp>
+        <p:nvSpPr>
+          <p:cNvPr id="6" name="TextBox 5">
+            <a:extLst>
+              <a:ext uri="{FF2B5EF4-FFF2-40B4-BE49-F238E27FC236}">
+                <a16:creationId xmlns:a16="http://schemas.microsoft.com/office/drawing/2014/main" id="{C848B3A0-E707-4C0C-B278-EEF9ABBA88CD}"/>
+              </a:ext>
+            </a:extLst>
+          </p:cNvPr>
+          <p:cNvSpPr txBox="1"/>
+          <p:nvPr/>
+        </p:nvSpPr>
+        <p:spPr>
+          <a:xfrm>
+            <a:off x="2975956" y="3823855"/>
+            <a:ext cx="3328155" cy="369332"/>
+          </a:xfrm>
+          <a:prstGeom prst="rect">
+            <a:avLst/>
+          </a:prstGeom>
+          <a:noFill/>
+        </p:spPr>
+        <p:txBody>
+          <a:bodyPr wrap="none" rtlCol="0">
+            <a:spAutoFit/>
+          </a:bodyPr>
+          <a:lstStyle/>
+          <a:p>
+            <a:r>
+              <a:rPr lang="ru-RU" dirty="0"/>
+              <a:t>Результат работы программы</a:t>
+            </a:r>
+          </a:p>
+        </p:txBody>
+      </p:sp>
+    </p:spTree>
+    <p:extLst>
+      <p:ext uri="{BB962C8B-B14F-4D97-AF65-F5344CB8AC3E}">
+        <p14:creationId xmlns:p14="http://schemas.microsoft.com/office/powerpoint/2010/main" val="35695281"/>
+      </p:ext>
+    </p:extLst>
+  </p:cSld>
+  <p:clrMapOvr>
+    <a:masterClrMapping/>
+  </p:clrMapOvr>
+</p:sld>
+</file>
+
+<file path=ppt/slides/slide18.xml><?xml version="1.0" encoding="utf-8"?>
+<p:sld xmlns:a="http://schemas.openxmlformats.org/drawingml/2006/main" xmlns:r="http://schemas.openxmlformats.org/officeDocument/2006/relationships" xmlns:p="http://schemas.openxmlformats.org/presentationml/2006/main">
+  <p:cSld>
+    <p:spTree>
+      <p:nvGrpSpPr>
+        <p:cNvPr id="1" name=""/>
+        <p:cNvGrpSpPr/>
+        <p:nvPr/>
+      </p:nvGrpSpPr>
+      <p:grpSpPr>
+        <a:xfrm>
+          <a:off x="0" y="0"/>
+          <a:ext cx="0" cy="0"/>
+          <a:chOff x="0" y="0"/>
+          <a:chExt cx="0" cy="0"/>
+        </a:xfrm>
+      </p:grpSpPr>
+      <p:sp>
+        <p:nvSpPr>
+          <p:cNvPr id="2" name="Заголовок 1">
+            <a:extLst>
+              <a:ext uri="{FF2B5EF4-FFF2-40B4-BE49-F238E27FC236}">
                 <a16:creationId xmlns:a16="http://schemas.microsoft.com/office/drawing/2014/main" id="{2091D487-77DF-4712-A9BC-7756B434E53A}"/>
               </a:ext>
             </a:extLst>
@@ -6628,7 +7313,7 @@
 </p:sld>
 </file>
 
-<file path=ppt/slides/slide15.xml><?xml version="1.0" encoding="utf-8"?>
+<file path=ppt/slides/slide19.xml><?xml version="1.0" encoding="utf-8"?>
 <p:sld xmlns:a="http://schemas.openxmlformats.org/drawingml/2006/main" xmlns:r="http://schemas.openxmlformats.org/officeDocument/2006/relationships" xmlns:p="http://schemas.openxmlformats.org/presentationml/2006/main">
   <p:cSld>
     <p:spTree>
@@ -7783,7 +8468,11 @@
           <a:p>
             <a:pPr algn="ctr"/>
             <a:r>
-              <a:rPr lang="ru-RU" dirty="0"/>
+              <a:rPr lang="ru-RU" dirty="0">
+                <a:solidFill>
+                  <a:schemeClr val="tx1"/>
+                </a:solidFill>
+              </a:rPr>
               <a:t>Алгоритм Виола-Джонса</a:t>
             </a:r>
           </a:p>
@@ -7824,6 +8513,45 @@
           </a:p>
         </p:txBody>
       </p:sp>
+      <p:pic>
+        <p:nvPicPr>
+          <p:cNvPr id="4" name="Рисунок 3">
+            <a:extLst>
+              <a:ext uri="{FF2B5EF4-FFF2-40B4-BE49-F238E27FC236}">
+                <a16:creationId xmlns:a16="http://schemas.microsoft.com/office/drawing/2014/main" id="{06FCA85D-458A-4152-AE79-B65E2C8B0939}"/>
+              </a:ext>
+            </a:extLst>
+          </p:cNvPr>
+          <p:cNvPicPr/>
+          <p:nvPr/>
+        </p:nvPicPr>
+        <p:blipFill>
+          <a:blip r:embed="rId2">
+            <a:extLst>
+              <a:ext uri="{28A0092B-C50C-407E-A947-70E740481C1C}">
+                <a14:useLocalDpi xmlns:a14="http://schemas.microsoft.com/office/drawing/2010/main" val="0"/>
+              </a:ext>
+            </a:extLst>
+          </a:blip>
+          <a:srcRect/>
+          <a:stretch>
+            <a:fillRect/>
+          </a:stretch>
+        </p:blipFill>
+        <p:spPr bwMode="auto">
+          <a:xfrm>
+            <a:off x="1889078" y="3828012"/>
+            <a:ext cx="6407025" cy="1990580"/>
+          </a:xfrm>
+          <a:prstGeom prst="rect">
+            <a:avLst/>
+          </a:prstGeom>
+          <a:noFill/>
+          <a:ln>
+            <a:noFill/>
+          </a:ln>
+        </p:spPr>
+      </p:pic>
     </p:spTree>
     <p:extLst>
       <p:ext uri="{BB962C8B-B14F-4D97-AF65-F5344CB8AC3E}">
